--- a/要件定義フレームワーク概要説明資料.pptx
+++ b/要件定義フレームワーク概要説明資料.pptx
@@ -215,7 +215,7 @@
           <a:p>
             <a:fld id="{964AA4BD-C503-4EB3-8DEA-D011AD487641}" type="datetimeFigureOut">
               <a:rPr kumimoji="1" lang="ja-JP" altLang="en-US" smtClean="0"/>
-              <a:t>2018/9/21</a:t>
+              <a:t>2019/10/3</a:t>
             </a:fld>
             <a:endParaRPr kumimoji="1" lang="ja-JP" altLang="en-US" dirty="0"/>
           </a:p>
@@ -381,7 +381,7 @@
             <a:fld id="{6952135A-CF7D-4615-9482-B4F97B9D8950}" type="datetimeFigureOut">
               <a:rPr kumimoji="1" lang="ja-JP" altLang="en-US" smtClean="0"/>
               <a:pPr/>
-              <a:t>2018/9/21</a:t>
+              <a:t>2019/10/3</a:t>
             </a:fld>
             <a:endParaRPr kumimoji="1" lang="ja-JP" altLang="en-US" dirty="0"/>
           </a:p>
@@ -723,7 +723,7 @@
         </p:blipFill>
         <p:spPr>
           <a:xfrm>
-            <a:off x="491064" y="6237312"/>
+            <a:off x="491064" y="5949280"/>
             <a:ext cx="825953" cy="295893"/>
           </a:xfrm>
           <a:prstGeom prst="rect">
@@ -739,7 +739,7 @@
         </p:nvSpPr>
         <p:spPr>
           <a:xfrm>
-            <a:off x="491064" y="6512356"/>
+            <a:off x="467544" y="6224324"/>
             <a:ext cx="7632848" cy="261610"/>
           </a:xfrm>
           <a:prstGeom prst="rect">
@@ -831,6 +831,84 @@
                 <a:ea typeface="HGPｺﾞｼｯｸM" panose="020B0600000000000000" pitchFamily="50" charset="-128"/>
               </a:rPr>
               <a:t>の下に提供されています。</a:t>
+            </a:r>
+            <a:endParaRPr lang="ja-JP" altLang="en-US" sz="1100" dirty="0">
+              <a:latin typeface="HGPｺﾞｼｯｸM" panose="020B0600000000000000" pitchFamily="50" charset="-128"/>
+              <a:ea typeface="HGPｺﾞｼｯｸM" panose="020B0600000000000000" pitchFamily="50" charset="-128"/>
+            </a:endParaRPr>
+          </a:p>
+        </p:txBody>
+      </p:sp>
+      <p:sp>
+        <p:nvSpPr>
+          <p:cNvPr id="4" name="テキスト ボックス 3"/>
+          <p:cNvSpPr txBox="1"/>
+          <p:nvPr userDrawn="1"/>
+        </p:nvSpPr>
+        <p:spPr>
+          <a:xfrm>
+            <a:off x="467544" y="6456768"/>
+            <a:ext cx="7632848" cy="261610"/>
+          </a:xfrm>
+          <a:prstGeom prst="rect">
+            <a:avLst/>
+          </a:prstGeom>
+          <a:noFill/>
+        </p:spPr>
+        <p:txBody>
+          <a:bodyPr wrap="square" rtlCol="0">
+            <a:spAutoFit/>
+          </a:bodyPr>
+          <a:lstStyle/>
+          <a:p>
+            <a:r>
+              <a:rPr lang="ja-JP" altLang="en-US" sz="1100" dirty="0" smtClean="0">
+                <a:latin typeface="HGPｺﾞｼｯｸM" panose="020B0600000000000000" pitchFamily="50" charset="-128"/>
+                <a:ea typeface="HGPｺﾞｼｯｸM" panose="020B0600000000000000" pitchFamily="50" charset="-128"/>
+              </a:rPr>
+              <a:t>要件定義フレームワーク</a:t>
+            </a:r>
+            <a:r>
+              <a:rPr lang="en-US" altLang="ja-JP" sz="1100" dirty="0" smtClean="0">
+                <a:latin typeface="HGPｺﾞｼｯｸM" panose="020B0600000000000000" pitchFamily="50" charset="-128"/>
+                <a:ea typeface="HGPｺﾞｼｯｸM" panose="020B0600000000000000" pitchFamily="50" charset="-128"/>
+              </a:rPr>
+              <a:t>©2018 TIS INC. </a:t>
+            </a:r>
+            <a:r>
+              <a:rPr lang="ja-JP" altLang="en-US" sz="1100" dirty="0" smtClean="0">
+                <a:latin typeface="HGPｺﾞｼｯｸM" panose="020B0600000000000000" pitchFamily="50" charset="-128"/>
+                <a:ea typeface="HGPｺﾞｼｯｸM" panose="020B0600000000000000" pitchFamily="50" charset="-128"/>
+              </a:rPr>
+              <a:t>クリエイティブ・コモンズ・ライセンス（表示</a:t>
+            </a:r>
+            <a:r>
+              <a:rPr lang="en-US" altLang="ja-JP" sz="1100" dirty="0" smtClean="0">
+                <a:latin typeface="HGPｺﾞｼｯｸM" panose="020B0600000000000000" pitchFamily="50" charset="-128"/>
+                <a:ea typeface="HGPｺﾞｼｯｸM" panose="020B0600000000000000" pitchFamily="50" charset="-128"/>
+              </a:rPr>
+              <a:t>-</a:t>
+            </a:r>
+            <a:r>
+              <a:rPr lang="ja-JP" altLang="en-US" sz="1100" dirty="0" smtClean="0">
+                <a:latin typeface="HGPｺﾞｼｯｸM" panose="020B0600000000000000" pitchFamily="50" charset="-128"/>
+                <a:ea typeface="HGPｺﾞｼｯｸM" panose="020B0600000000000000" pitchFamily="50" charset="-128"/>
+              </a:rPr>
+              <a:t>継承 </a:t>
+            </a:r>
+            <a:r>
+              <a:rPr lang="en-US" altLang="ja-JP" sz="1100" dirty="0" smtClean="0">
+                <a:latin typeface="HGPｺﾞｼｯｸM" panose="020B0600000000000000" pitchFamily="50" charset="-128"/>
+                <a:ea typeface="HGPｺﾞｼｯｸM" panose="020B0600000000000000" pitchFamily="50" charset="-128"/>
+              </a:rPr>
+              <a:t>4.0 </a:t>
+            </a:r>
+            <a:r>
+              <a:rPr lang="ja-JP" altLang="en-US" sz="1100" dirty="0" smtClean="0">
+                <a:latin typeface="HGPｺﾞｼｯｸM" panose="020B0600000000000000" pitchFamily="50" charset="-128"/>
+                <a:ea typeface="HGPｺﾞｼｯｸM" panose="020B0600000000000000" pitchFamily="50" charset="-128"/>
+              </a:rPr>
+              <a:t>国際）。</a:t>
             </a:r>
             <a:endParaRPr lang="ja-JP" altLang="en-US" sz="1100" dirty="0">
               <a:latin typeface="HGPｺﾞｼｯｸM" panose="020B0600000000000000" pitchFamily="50" charset="-128"/>
